--- a/Presentations/Bemutato2.pptx
+++ b/Presentations/Bemutato2.pptx
@@ -5,7 +5,7 @@
     <p:sldMasterId id="2147483648" r:id="rId1"/>
   </p:sldMasterIdLst>
   <p:notesMasterIdLst>
-    <p:notesMasterId r:id="rId11"/>
+    <p:notesMasterId r:id="rId13"/>
   </p:notesMasterIdLst>
   <p:sldIdLst>
     <p:sldId id="257" r:id="rId2"/>
@@ -16,7 +16,9 @@
     <p:sldId id="264" r:id="rId7"/>
     <p:sldId id="265" r:id="rId8"/>
     <p:sldId id="266" r:id="rId9"/>
-    <p:sldId id="262" r:id="rId10"/>
+    <p:sldId id="267" r:id="rId10"/>
+    <p:sldId id="268" r:id="rId11"/>
+    <p:sldId id="262" r:id="rId12"/>
   </p:sldIdLst>
   <p:sldSz cx="12192000" cy="6858000"/>
   <p:notesSz cx="6858000" cy="9144000"/>
@@ -126,7 +128,7 @@
 <file path=ppt/revisionInfo.xml><?xml version="1.0" encoding="utf-8"?>
 <p1510:revInfo xmlns:a="http://schemas.openxmlformats.org/drawingml/2006/main" xmlns:r="http://schemas.openxmlformats.org/officeDocument/2006/relationships" xmlns:p1510="http://schemas.microsoft.com/office/powerpoint/2015/10/main">
   <p1510:revLst>
-    <p1510:client id="{10AF4A09-BECB-4363-A288-A43A1A125465}" v="41" dt="2024-10-22T12:39:29.351"/>
+    <p1510:client id="{10AF4A09-BECB-4363-A288-A43A1A125465}" v="60" dt="2024-10-22T18:30:09.429"/>
   </p1510:revLst>
 </p1510:revInfo>
 </file>
@@ -135,11 +137,114 @@
 <pc:chgInfo xmlns:a="http://schemas.openxmlformats.org/drawingml/2006/main" xmlns:r="http://schemas.openxmlformats.org/officeDocument/2006/relationships" xmlns:ac="http://schemas.microsoft.com/office/drawing/2013/main/command" xmlns:pc="http://schemas.microsoft.com/office/powerpoint/2013/main/command">
   <pc:docChgLst>
     <pc:chgData name="Zsófi Pilter" userId="bec709a5bd970b38" providerId="LiveId" clId="{10AF4A09-BECB-4363-A288-A43A1A125465}"/>
-    <pc:docChg chg="undo custSel addSld modSld">
-      <pc:chgData name="Zsófi Pilter" userId="bec709a5bd970b38" providerId="LiveId" clId="{10AF4A09-BECB-4363-A288-A43A1A125465}" dt="2024-10-22T12:39:29.351" v="92"/>
+    <pc:docChg chg="undo custSel addSld delSld modSld">
+      <pc:chgData name="Zsófi Pilter" userId="bec709a5bd970b38" providerId="LiveId" clId="{10AF4A09-BECB-4363-A288-A43A1A125465}" dt="2024-10-22T18:30:46.042" v="163" actId="47"/>
       <pc:docMkLst>
         <pc:docMk/>
       </pc:docMkLst>
+      <pc:sldChg chg="addSp delSp modSp mod">
+        <pc:chgData name="Zsófi Pilter" userId="bec709a5bd970b38" providerId="LiveId" clId="{10AF4A09-BECB-4363-A288-A43A1A125465}" dt="2024-10-22T18:30:13.692" v="162" actId="26606"/>
+        <pc:sldMkLst>
+          <pc:docMk/>
+          <pc:sldMk cId="2415914103" sldId="263"/>
+        </pc:sldMkLst>
+        <pc:spChg chg="mod">
+          <ac:chgData name="Zsófi Pilter" userId="bec709a5bd970b38" providerId="LiveId" clId="{10AF4A09-BECB-4363-A288-A43A1A125465}" dt="2024-10-22T18:30:13.692" v="162" actId="26606"/>
+          <ac:spMkLst>
+            <pc:docMk/>
+            <pc:sldMk cId="2415914103" sldId="263"/>
+            <ac:spMk id="4" creationId="{CFA47999-0629-62EA-718B-0CB409C00953}"/>
+          </ac:spMkLst>
+        </pc:spChg>
+        <pc:spChg chg="del">
+          <ac:chgData name="Zsófi Pilter" userId="bec709a5bd970b38" providerId="LiveId" clId="{10AF4A09-BECB-4363-A288-A43A1A125465}" dt="2024-10-22T18:30:13.692" v="162" actId="26606"/>
+          <ac:spMkLst>
+            <pc:docMk/>
+            <pc:sldMk cId="2415914103" sldId="263"/>
+            <ac:spMk id="1031" creationId="{F3060C83-F051-4F0E-ABAD-AA0DFC48B218}"/>
+          </ac:spMkLst>
+        </pc:spChg>
+        <pc:spChg chg="del">
+          <ac:chgData name="Zsófi Pilter" userId="bec709a5bd970b38" providerId="LiveId" clId="{10AF4A09-BECB-4363-A288-A43A1A125465}" dt="2024-10-22T18:30:13.692" v="162" actId="26606"/>
+          <ac:spMkLst>
+            <pc:docMk/>
+            <pc:sldMk cId="2415914103" sldId="263"/>
+            <ac:spMk id="1033" creationId="{83C98ABE-055B-441F-B07E-44F97F083C39}"/>
+          </ac:spMkLst>
+        </pc:spChg>
+        <pc:spChg chg="del">
+          <ac:chgData name="Zsófi Pilter" userId="bec709a5bd970b38" providerId="LiveId" clId="{10AF4A09-BECB-4363-A288-A43A1A125465}" dt="2024-10-22T18:30:13.692" v="162" actId="26606"/>
+          <ac:spMkLst>
+            <pc:docMk/>
+            <pc:sldMk cId="2415914103" sldId="263"/>
+            <ac:spMk id="1035" creationId="{29FDB030-9B49-4CED-8CCD-4D99382388AC}"/>
+          </ac:spMkLst>
+        </pc:spChg>
+        <pc:spChg chg="del">
+          <ac:chgData name="Zsófi Pilter" userId="bec709a5bd970b38" providerId="LiveId" clId="{10AF4A09-BECB-4363-A288-A43A1A125465}" dt="2024-10-22T18:30:13.692" v="162" actId="26606"/>
+          <ac:spMkLst>
+            <pc:docMk/>
+            <pc:sldMk cId="2415914103" sldId="263"/>
+            <ac:spMk id="1037" creationId="{3783CA14-24A1-485C-8B30-D6A5D87987AD}"/>
+          </ac:spMkLst>
+        </pc:spChg>
+        <pc:spChg chg="del">
+          <ac:chgData name="Zsófi Pilter" userId="bec709a5bd970b38" providerId="LiveId" clId="{10AF4A09-BECB-4363-A288-A43A1A125465}" dt="2024-10-22T18:30:13.692" v="162" actId="26606"/>
+          <ac:spMkLst>
+            <pc:docMk/>
+            <pc:sldMk cId="2415914103" sldId="263"/>
+            <ac:spMk id="1039" creationId="{9A97C86A-04D6-40F7-AE84-31AB43E6A846}"/>
+          </ac:spMkLst>
+        </pc:spChg>
+        <pc:spChg chg="del">
+          <ac:chgData name="Zsófi Pilter" userId="bec709a5bd970b38" providerId="LiveId" clId="{10AF4A09-BECB-4363-A288-A43A1A125465}" dt="2024-10-22T18:30:13.692" v="162" actId="26606"/>
+          <ac:spMkLst>
+            <pc:docMk/>
+            <pc:sldMk cId="2415914103" sldId="263"/>
+            <ac:spMk id="1041" creationId="{FF9F2414-84E8-453E-B1F3-389FDE8192D9}"/>
+          </ac:spMkLst>
+        </pc:spChg>
+        <pc:spChg chg="del">
+          <ac:chgData name="Zsófi Pilter" userId="bec709a5bd970b38" providerId="LiveId" clId="{10AF4A09-BECB-4363-A288-A43A1A125465}" dt="2024-10-22T18:30:13.692" v="162" actId="26606"/>
+          <ac:spMkLst>
+            <pc:docMk/>
+            <pc:sldMk cId="2415914103" sldId="263"/>
+            <ac:spMk id="1043" creationId="{3ECA69A1-7536-43AC-85EF-C7106179F5ED}"/>
+          </ac:spMkLst>
+        </pc:spChg>
+        <pc:spChg chg="add">
+          <ac:chgData name="Zsófi Pilter" userId="bec709a5bd970b38" providerId="LiveId" clId="{10AF4A09-BECB-4363-A288-A43A1A125465}" dt="2024-10-22T18:30:13.692" v="162" actId="26606"/>
+          <ac:spMkLst>
+            <pc:docMk/>
+            <pc:sldMk cId="2415914103" sldId="263"/>
+            <ac:spMk id="3081" creationId="{99ED5833-B85B-4103-8A3B-CAB0308E6C15}"/>
+          </ac:spMkLst>
+        </pc:spChg>
+        <pc:picChg chg="del">
+          <ac:chgData name="Zsófi Pilter" userId="bec709a5bd970b38" providerId="LiveId" clId="{10AF4A09-BECB-4363-A288-A43A1A125465}" dt="2024-10-22T18:29:51.687" v="157" actId="478"/>
+          <ac:picMkLst>
+            <pc:docMk/>
+            <pc:sldMk cId="2415914103" sldId="263"/>
+            <ac:picMk id="1026" creationId="{7857DA86-B2F0-30A2-3FB1-81FBC3C414E0}"/>
+          </ac:picMkLst>
+        </pc:picChg>
+        <pc:picChg chg="add mod ord">
+          <ac:chgData name="Zsófi Pilter" userId="bec709a5bd970b38" providerId="LiveId" clId="{10AF4A09-BECB-4363-A288-A43A1A125465}" dt="2024-10-22T18:30:13.692" v="162" actId="26606"/>
+          <ac:picMkLst>
+            <pc:docMk/>
+            <pc:sldMk cId="2415914103" sldId="263"/>
+            <ac:picMk id="3074" creationId="{2CC614E2-66A7-EBF0-37E1-590C522FD013}"/>
+          </ac:picMkLst>
+        </pc:picChg>
+        <pc:picChg chg="add mod">
+          <ac:chgData name="Zsófi Pilter" userId="bec709a5bd970b38" providerId="LiveId" clId="{10AF4A09-BECB-4363-A288-A43A1A125465}" dt="2024-10-22T18:30:13.692" v="162" actId="26606"/>
+          <ac:picMkLst>
+            <pc:docMk/>
+            <pc:sldMk cId="2415914103" sldId="263"/>
+            <ac:picMk id="3076" creationId="{1A0D0BFC-ECDB-2C40-E3BC-F988836460A4}"/>
+          </ac:picMkLst>
+        </pc:picChg>
+      </pc:sldChg>
       <pc:sldChg chg="addSp delSp modSp new mod setBg addAnim delAnim modAnim">
         <pc:chgData name="Zsófi Pilter" userId="bec709a5bd970b38" providerId="LiveId" clId="{10AF4A09-BECB-4363-A288-A43A1A125465}" dt="2024-10-22T12:39:29.351" v="92"/>
         <pc:sldMkLst>
@@ -441,6 +546,115 @@
             <ac:picMk id="1036" creationId="{24C5098D-D3AA-8CFA-2B6A-2AB80B3FC8BE}"/>
           </ac:picMkLst>
         </pc:picChg>
+      </pc:sldChg>
+      <pc:sldChg chg="addSp delSp modSp new mod setBg">
+        <pc:chgData name="Zsófi Pilter" userId="bec709a5bd970b38" providerId="LiveId" clId="{10AF4A09-BECB-4363-A288-A43A1A125465}" dt="2024-10-22T18:28:28.256" v="125" actId="1076"/>
+        <pc:sldMkLst>
+          <pc:docMk/>
+          <pc:sldMk cId="1919064877" sldId="267"/>
+        </pc:sldMkLst>
+        <pc:spChg chg="mod">
+          <ac:chgData name="Zsófi Pilter" userId="bec709a5bd970b38" providerId="LiveId" clId="{10AF4A09-BECB-4363-A288-A43A1A125465}" dt="2024-10-22T18:28:05.009" v="117" actId="26606"/>
+          <ac:spMkLst>
+            <pc:docMk/>
+            <pc:sldMk cId="1919064877" sldId="267"/>
+            <ac:spMk id="2" creationId="{6383F3D5-B111-65D4-0606-1DBE3280E306}"/>
+          </ac:spMkLst>
+        </pc:spChg>
+        <pc:spChg chg="del">
+          <ac:chgData name="Zsófi Pilter" userId="bec709a5bd970b38" providerId="LiveId" clId="{10AF4A09-BECB-4363-A288-A43A1A125465}" dt="2024-10-22T18:27:29.084" v="94" actId="478"/>
+          <ac:spMkLst>
+            <pc:docMk/>
+            <pc:sldMk cId="1919064877" sldId="267"/>
+            <ac:spMk id="3" creationId="{44F74C8B-8AF3-7D8A-8F7A-DCA57AC545AC}"/>
+          </ac:spMkLst>
+        </pc:spChg>
+        <pc:spChg chg="add del">
+          <ac:chgData name="Zsófi Pilter" userId="bec709a5bd970b38" providerId="LiveId" clId="{10AF4A09-BECB-4363-A288-A43A1A125465}" dt="2024-10-22T18:28:05.009" v="116" actId="26606"/>
+          <ac:spMkLst>
+            <pc:docMk/>
+            <pc:sldMk cId="1919064877" sldId="267"/>
+            <ac:spMk id="1031" creationId="{BA79A7CF-01AF-4178-9369-94E0C90EB046}"/>
+          </ac:spMkLst>
+        </pc:spChg>
+        <pc:spChg chg="add del">
+          <ac:chgData name="Zsófi Pilter" userId="bec709a5bd970b38" providerId="LiveId" clId="{10AF4A09-BECB-4363-A288-A43A1A125465}" dt="2024-10-22T18:28:05.009" v="116" actId="26606"/>
+          <ac:spMkLst>
+            <pc:docMk/>
+            <pc:sldMk cId="1919064877" sldId="267"/>
+            <ac:spMk id="1033" creationId="{99413ED5-9ED4-4772-BCE4-2BCAE6B12E35}"/>
+          </ac:spMkLst>
+        </pc:spChg>
+        <pc:spChg chg="add del">
+          <ac:chgData name="Zsófi Pilter" userId="bec709a5bd970b38" providerId="LiveId" clId="{10AF4A09-BECB-4363-A288-A43A1A125465}" dt="2024-10-22T18:28:05.009" v="116" actId="26606"/>
+          <ac:spMkLst>
+            <pc:docMk/>
+            <pc:sldMk cId="1919064877" sldId="267"/>
+            <ac:spMk id="1035" creationId="{04357C93-F0CB-4A1C-8F77-4E9063789819}"/>
+          </ac:spMkLst>
+        </pc:spChg>
+        <pc:spChg chg="add del">
+          <ac:chgData name="Zsófi Pilter" userId="bec709a5bd970b38" providerId="LiveId" clId="{10AF4A09-BECB-4363-A288-A43A1A125465}" dt="2024-10-22T18:28:05.009" v="116" actId="26606"/>
+          <ac:spMkLst>
+            <pc:docMk/>
+            <pc:sldMk cId="1919064877" sldId="267"/>
+            <ac:spMk id="1037" creationId="{90F533E9-6690-41A8-A372-4C6C622D028D}"/>
+          </ac:spMkLst>
+        </pc:spChg>
+        <pc:spChg chg="add">
+          <ac:chgData name="Zsófi Pilter" userId="bec709a5bd970b38" providerId="LiveId" clId="{10AF4A09-BECB-4363-A288-A43A1A125465}" dt="2024-10-22T18:28:05.009" v="117" actId="26606"/>
+          <ac:spMkLst>
+            <pc:docMk/>
+            <pc:sldMk cId="1919064877" sldId="267"/>
+            <ac:spMk id="1039" creationId="{5E6B3632-31A7-4B9A-9B3B-DAADD1D372BA}"/>
+          </ac:spMkLst>
+        </pc:spChg>
+        <pc:picChg chg="add mod">
+          <ac:chgData name="Zsófi Pilter" userId="bec709a5bd970b38" providerId="LiveId" clId="{10AF4A09-BECB-4363-A288-A43A1A125465}" dt="2024-10-22T18:28:28.256" v="125" actId="1076"/>
+          <ac:picMkLst>
+            <pc:docMk/>
+            <pc:sldMk cId="1919064877" sldId="267"/>
+            <ac:picMk id="1026" creationId="{B2EE651F-1023-2CFB-F01A-BA33C50877FA}"/>
+          </ac:picMkLst>
+        </pc:picChg>
+      </pc:sldChg>
+      <pc:sldChg chg="addSp delSp modSp new mod">
+        <pc:chgData name="Zsófi Pilter" userId="bec709a5bd970b38" providerId="LiveId" clId="{10AF4A09-BECB-4363-A288-A43A1A125465}" dt="2024-10-22T18:29:35.077" v="155" actId="20577"/>
+        <pc:sldMkLst>
+          <pc:docMk/>
+          <pc:sldMk cId="2340417962" sldId="268"/>
+        </pc:sldMkLst>
+        <pc:spChg chg="mod">
+          <ac:chgData name="Zsófi Pilter" userId="bec709a5bd970b38" providerId="LiveId" clId="{10AF4A09-BECB-4363-A288-A43A1A125465}" dt="2024-10-22T18:29:35.077" v="155" actId="20577"/>
+          <ac:spMkLst>
+            <pc:docMk/>
+            <pc:sldMk cId="2340417962" sldId="268"/>
+            <ac:spMk id="2" creationId="{D221DE39-179E-6513-CA92-EE071E2E6774}"/>
+          </ac:spMkLst>
+        </pc:spChg>
+        <pc:spChg chg="del">
+          <ac:chgData name="Zsófi Pilter" userId="bec709a5bd970b38" providerId="LiveId" clId="{10AF4A09-BECB-4363-A288-A43A1A125465}" dt="2024-10-22T18:28:43.736" v="127" actId="478"/>
+          <ac:spMkLst>
+            <pc:docMk/>
+            <pc:sldMk cId="2340417962" sldId="268"/>
+            <ac:spMk id="3" creationId="{E6F9F798-44CD-2F2D-F1A2-A65C9410DF30}"/>
+          </ac:spMkLst>
+        </pc:spChg>
+        <pc:picChg chg="add mod">
+          <ac:chgData name="Zsófi Pilter" userId="bec709a5bd970b38" providerId="LiveId" clId="{10AF4A09-BECB-4363-A288-A43A1A125465}" dt="2024-10-22T18:29:21.109" v="135" actId="1076"/>
+          <ac:picMkLst>
+            <pc:docMk/>
+            <pc:sldMk cId="2340417962" sldId="268"/>
+            <ac:picMk id="2050" creationId="{5D72071D-E981-A5AB-1656-AB047E5D4C0A}"/>
+          </ac:picMkLst>
+        </pc:picChg>
+      </pc:sldChg>
+      <pc:sldChg chg="new del">
+        <pc:chgData name="Zsófi Pilter" userId="bec709a5bd970b38" providerId="LiveId" clId="{10AF4A09-BECB-4363-A288-A43A1A125465}" dt="2024-10-22T18:30:46.042" v="163" actId="47"/>
+        <pc:sldMkLst>
+          <pc:docMk/>
+          <pc:sldMk cId="3675637873" sldId="269"/>
+        </pc:sldMkLst>
       </pc:sldChg>
     </pc:docChg>
   </pc:docChgLst>
@@ -4431,6 +4645,204 @@
 </p:sld>
 </file>
 
+<file path=ppt/slides/slide10.xml><?xml version="1.0" encoding="utf-8"?>
+<p:sld xmlns:a="http://schemas.openxmlformats.org/drawingml/2006/main" xmlns:r="http://schemas.openxmlformats.org/officeDocument/2006/relationships" xmlns:p="http://schemas.openxmlformats.org/presentationml/2006/main">
+  <p:cSld>
+    <p:spTree>
+      <p:nvGrpSpPr>
+        <p:cNvPr id="1" name=""/>
+        <p:cNvGrpSpPr/>
+        <p:nvPr/>
+      </p:nvGrpSpPr>
+      <p:grpSpPr>
+        <a:xfrm>
+          <a:off x="0" y="0"/>
+          <a:ext cx="0" cy="0"/>
+          <a:chOff x="0" y="0"/>
+          <a:chExt cx="0" cy="0"/>
+        </a:xfrm>
+      </p:grpSpPr>
+      <p:sp>
+        <p:nvSpPr>
+          <p:cNvPr id="2" name="Cím 1">
+            <a:extLst>
+              <a:ext uri="{FF2B5EF4-FFF2-40B4-BE49-F238E27FC236}">
+                <a16:creationId xmlns:a16="http://schemas.microsoft.com/office/drawing/2014/main" id="{D221DE39-179E-6513-CA92-EE071E2E6774}"/>
+              </a:ext>
+            </a:extLst>
+          </p:cNvPr>
+          <p:cNvSpPr>
+            <a:spLocks noGrp="1"/>
+          </p:cNvSpPr>
+          <p:nvPr>
+            <p:ph type="title"/>
+          </p:nvPr>
+        </p:nvSpPr>
+        <p:spPr>
+          <a:xfrm>
+            <a:off x="178676" y="1124606"/>
+            <a:ext cx="4217276" cy="639654"/>
+          </a:xfrm>
+        </p:spPr>
+        <p:txBody>
+          <a:bodyPr>
+            <a:normAutofit fontScale="90000"/>
+          </a:bodyPr>
+          <a:lstStyle/>
+          <a:p>
+            <a:r>
+              <a:rPr lang="en-GB" dirty="0"/>
+              <a:t>Sequence diagram</a:t>
+            </a:r>
+            <a:endParaRPr lang="hu-HU" dirty="0"/>
+          </a:p>
+        </p:txBody>
+      </p:sp>
+      <p:pic>
+        <p:nvPicPr>
+          <p:cNvPr id="2050" name="Picture 2">
+            <a:extLst>
+              <a:ext uri="{FF2B5EF4-FFF2-40B4-BE49-F238E27FC236}">
+                <a16:creationId xmlns:a16="http://schemas.microsoft.com/office/drawing/2014/main" id="{5D72071D-E981-A5AB-1656-AB047E5D4C0A}"/>
+              </a:ext>
+            </a:extLst>
+          </p:cNvPr>
+          <p:cNvPicPr>
+            <a:picLocks noChangeAspect="1" noChangeArrowheads="1"/>
+          </p:cNvPicPr>
+          <p:nvPr/>
+        </p:nvPicPr>
+        <p:blipFill>
+          <a:blip r:embed="rId2">
+            <a:extLst>
+              <a:ext uri="{28A0092B-C50C-407E-A947-70E740481C1C}">
+                <a14:useLocalDpi xmlns:a14="http://schemas.microsoft.com/office/drawing/2010/main" val="0"/>
+              </a:ext>
+            </a:extLst>
+          </a:blip>
+          <a:srcRect/>
+          <a:stretch>
+            <a:fillRect/>
+          </a:stretch>
+        </p:blipFill>
+        <p:spPr bwMode="auto">
+          <a:xfrm>
+            <a:off x="3894247" y="450999"/>
+            <a:ext cx="8297753" cy="5956002"/>
+          </a:xfrm>
+          <a:prstGeom prst="rect">
+            <a:avLst/>
+          </a:prstGeom>
+          <a:noFill/>
+          <a:extLst>
+            <a:ext uri="{909E8E84-426E-40DD-AFC4-6F175D3DCCD1}">
+              <a14:hiddenFill xmlns:a14="http://schemas.microsoft.com/office/drawing/2010/main">
+                <a:solidFill>
+                  <a:srgbClr val="FFFFFF"/>
+                </a:solidFill>
+              </a14:hiddenFill>
+            </a:ext>
+          </a:extLst>
+        </p:spPr>
+      </p:pic>
+    </p:spTree>
+    <p:extLst>
+      <p:ext uri="{BB962C8B-B14F-4D97-AF65-F5344CB8AC3E}">
+        <p14:creationId xmlns:p14="http://schemas.microsoft.com/office/powerpoint/2010/main" val="2340417962"/>
+      </p:ext>
+    </p:extLst>
+  </p:cSld>
+  <p:clrMapOvr>
+    <a:masterClrMapping/>
+  </p:clrMapOvr>
+</p:sld>
+</file>
+
+<file path=ppt/slides/slide11.xml><?xml version="1.0" encoding="utf-8"?>
+<p:sld xmlns:a="http://schemas.openxmlformats.org/drawingml/2006/main" xmlns:r="http://schemas.openxmlformats.org/officeDocument/2006/relationships" xmlns:p="http://schemas.openxmlformats.org/presentationml/2006/main">
+  <p:cSld>
+    <p:spTree>
+      <p:nvGrpSpPr>
+        <p:cNvPr id="1" name=""/>
+        <p:cNvGrpSpPr/>
+        <p:nvPr/>
+      </p:nvGrpSpPr>
+      <p:grpSpPr>
+        <a:xfrm>
+          <a:off x="0" y="0"/>
+          <a:ext cx="0" cy="0"/>
+          <a:chOff x="0" y="0"/>
+          <a:chExt cx="0" cy="0"/>
+        </a:xfrm>
+      </p:grpSpPr>
+      <p:sp>
+        <p:nvSpPr>
+          <p:cNvPr id="2" name="Cím 1">
+            <a:extLst>
+              <a:ext uri="{FF2B5EF4-FFF2-40B4-BE49-F238E27FC236}">
+                <a16:creationId xmlns:a16="http://schemas.microsoft.com/office/drawing/2014/main" id="{F81F87E8-FF4E-55F2-7160-9B2B77594B27}"/>
+              </a:ext>
+            </a:extLst>
+          </p:cNvPr>
+          <p:cNvSpPr>
+            <a:spLocks noGrp="1"/>
+          </p:cNvSpPr>
+          <p:nvPr>
+            <p:ph type="title"/>
+          </p:nvPr>
+        </p:nvSpPr>
+        <p:spPr>
+          <a:xfrm>
+            <a:off x="1378100" y="887096"/>
+            <a:ext cx="10115908" cy="2669920"/>
+          </a:xfrm>
+        </p:spPr>
+        <p:txBody>
+          <a:bodyPr vert="horz" lIns="91440" tIns="45720" rIns="91440" bIns="45720" rtlCol="0" anchor="ctr">
+            <a:normAutofit/>
+          </a:bodyPr>
+          <a:lstStyle/>
+          <a:p>
+            <a:r>
+              <a:rPr lang="en-US" sz="4400" dirty="0" err="1">
+                <a:latin typeface="Book Antiqua" panose="02040602050305030304" pitchFamily="18" charset="0"/>
+              </a:rPr>
+              <a:t>Köszönjük</a:t>
+            </a:r>
+            <a:r>
+              <a:rPr lang="en-US" sz="4400" dirty="0">
+                <a:latin typeface="Book Antiqua" panose="02040602050305030304" pitchFamily="18" charset="0"/>
+              </a:rPr>
+              <a:t> a </a:t>
+            </a:r>
+            <a:r>
+              <a:rPr lang="en-US" sz="4400" dirty="0" err="1">
+                <a:latin typeface="Book Antiqua" panose="02040602050305030304" pitchFamily="18" charset="0"/>
+              </a:rPr>
+              <a:t>figyelmet</a:t>
+            </a:r>
+            <a:r>
+              <a:rPr lang="en-US" sz="4400" dirty="0">
+                <a:latin typeface="Book Antiqua" panose="02040602050305030304" pitchFamily="18" charset="0"/>
+              </a:rPr>
+              <a:t>!</a:t>
+            </a:r>
+          </a:p>
+        </p:txBody>
+      </p:sp>
+    </p:spTree>
+    <p:extLst>
+      <p:ext uri="{BB962C8B-B14F-4D97-AF65-F5344CB8AC3E}">
+        <p14:creationId xmlns:p14="http://schemas.microsoft.com/office/powerpoint/2010/main" val="1894827936"/>
+      </p:ext>
+    </p:extLst>
+  </p:cSld>
+  <p:clrMapOvr>
+    <a:masterClrMapping/>
+  </p:clrMapOvr>
+</p:sld>
+</file>
+
 <file path=ppt/slides/slide2.xml><?xml version="1.0" encoding="utf-8"?>
 <p:sld xmlns:a="http://schemas.openxmlformats.org/drawingml/2006/main" xmlns:r="http://schemas.openxmlformats.org/officeDocument/2006/relationships" xmlns:p="http://schemas.openxmlformats.org/presentationml/2006/main">
   <p:cSld>
@@ -4800,12 +5212,12 @@
           <a:chExt cx="0" cy="0"/>
         </a:xfrm>
       </p:grpSpPr>
-      <p:sp>
-        <p:nvSpPr>
-          <p:cNvPr id="1031" name="Rectangle 1030">
-            <a:extLst>
-              <a:ext uri="{FF2B5EF4-FFF2-40B4-BE49-F238E27FC236}">
-                <a16:creationId xmlns:a16="http://schemas.microsoft.com/office/drawing/2014/main" id="{F3060C83-F051-4F0E-ABAD-AA0DFC48B218}"/>
+      <p:sp useBgFill="1">
+        <p:nvSpPr>
+          <p:cNvPr id="3081" name="Rectangle 3080">
+            <a:extLst>
+              <a:ext uri="{FF2B5EF4-FFF2-40B4-BE49-F238E27FC236}">
+                <a16:creationId xmlns:a16="http://schemas.microsoft.com/office/drawing/2014/main" id="{99ED5833-B85B-4103-8A3B-CAB0308E6C15}"/>
               </a:ext>
               <a:ext uri="{C183D7F6-B498-43B3-948B-1728B52AA6E4}">
                 <adec:decorative xmlns:adec="http://schemas.microsoft.com/office/drawing/2017/decorative" val="1"/>
@@ -4825,15 +5237,12 @@
         </p:nvSpPr>
         <p:spPr>
           <a:xfrm>
-            <a:off x="0" y="0"/>
-            <a:ext cx="12192000" cy="6858000"/>
+            <a:off x="-1" y="0"/>
+            <a:ext cx="12188952" cy="6858000"/>
           </a:xfrm>
           <a:prstGeom prst="rect">
             <a:avLst/>
           </a:prstGeom>
-          <a:solidFill>
-            <a:schemeClr val="bg1"/>
-          </a:solidFill>
           <a:ln>
             <a:noFill/>
           </a:ln>
@@ -4859,437 +5268,58 @@
           <a:lstStyle/>
           <a:p>
             <a:pPr algn="ctr"/>
-            <a:endParaRPr lang="en-US" dirty="0"/>
-          </a:p>
-        </p:txBody>
-      </p:sp>
-      <p:sp>
-        <p:nvSpPr>
-          <p:cNvPr id="1033" name="Freeform: Shape 1032">
-            <a:extLst>
-              <a:ext uri="{FF2B5EF4-FFF2-40B4-BE49-F238E27FC236}">
-                <a16:creationId xmlns:a16="http://schemas.microsoft.com/office/drawing/2014/main" id="{83C98ABE-055B-441F-B07E-44F97F083C39}"/>
-              </a:ext>
-              <a:ext uri="{C183D7F6-B498-43B3-948B-1728B52AA6E4}">
-                <adec:decorative xmlns:adec="http://schemas.microsoft.com/office/drawing/2017/decorative" val="1"/>
-              </a:ext>
-            </a:extLst>
-          </p:cNvPr>
-          <p:cNvSpPr>
-            <a:spLocks noGrp="1" noRot="1" noChangeAspect="1" noMove="1" noResize="1" noEditPoints="1" noAdjustHandles="1" noChangeArrowheads="1" noChangeShapeType="1" noTextEdit="1"/>
-          </p:cNvSpPr>
-          <p:nvPr>
-            <p:extLst>
-              <p:ext uri="{386F3935-93C4-4BCD-93E2-E3B085C9AB24}">
-                <p16:designElem xmlns:p16="http://schemas.microsoft.com/office/powerpoint/2015/main" val="1"/>
-              </p:ext>
-            </p:extLst>
+            <a:endParaRPr lang="en-US"/>
+          </a:p>
+        </p:txBody>
+      </p:sp>
+      <p:sp>
+        <p:nvSpPr>
+          <p:cNvPr id="4" name="Cím 1">
+            <a:extLst>
+              <a:ext uri="{FF2B5EF4-FFF2-40B4-BE49-F238E27FC236}">
+                <a16:creationId xmlns:a16="http://schemas.microsoft.com/office/drawing/2014/main" id="{CFA47999-0629-62EA-718B-0CB409C00953}"/>
+              </a:ext>
+            </a:extLst>
+          </p:cNvPr>
+          <p:cNvSpPr>
+            <a:spLocks noGrp="1"/>
+          </p:cNvSpPr>
+          <p:nvPr>
+            <p:ph type="title"/>
           </p:nvPr>
         </p:nvSpPr>
         <p:spPr>
-          <a:xfrm rot="18900000" flipH="1">
-            <a:off x="-376156" y="-253670"/>
-            <a:ext cx="1827638" cy="1376989"/>
+          <a:xfrm>
+            <a:off x="838200" y="365125"/>
+            <a:ext cx="10515600" cy="1860400"/>
           </a:xfrm>
-          <a:custGeom>
-            <a:avLst/>
-            <a:gdLst>
-              <a:gd name="connsiteX0" fmla="*/ 0 w 1827638"/>
-              <a:gd name="connsiteY0" fmla="*/ 987379 h 1376989"/>
-              <a:gd name="connsiteX1" fmla="*/ 987379 w 1827638"/>
-              <a:gd name="connsiteY1" fmla="*/ 0 h 1376989"/>
-              <a:gd name="connsiteX2" fmla="*/ 1827638 w 1827638"/>
-              <a:gd name="connsiteY2" fmla="*/ 840260 h 1376989"/>
-              <a:gd name="connsiteX3" fmla="*/ 1827638 w 1827638"/>
-              <a:gd name="connsiteY3" fmla="*/ 1376989 h 1376989"/>
-              <a:gd name="connsiteX4" fmla="*/ 0 w 1827638"/>
-              <a:gd name="connsiteY4" fmla="*/ 1376989 h 1376989"/>
-            </a:gdLst>
-            <a:ahLst/>
-            <a:cxnLst>
-              <a:cxn ang="0">
-                <a:pos x="connsiteX0" y="connsiteY0"/>
-              </a:cxn>
-              <a:cxn ang="0">
-                <a:pos x="connsiteX1" y="connsiteY1"/>
-              </a:cxn>
-              <a:cxn ang="0">
-                <a:pos x="connsiteX2" y="connsiteY2"/>
-              </a:cxn>
-              <a:cxn ang="0">
-                <a:pos x="connsiteX3" y="connsiteY3"/>
-              </a:cxn>
-              <a:cxn ang="0">
-                <a:pos x="connsiteX4" y="connsiteY4"/>
-              </a:cxn>
-            </a:cxnLst>
-            <a:rect l="l" t="t" r="r" b="b"/>
-            <a:pathLst>
-              <a:path w="1827638" h="1376989">
-                <a:moveTo>
-                  <a:pt x="0" y="987379"/>
-                </a:moveTo>
-                <a:lnTo>
-                  <a:pt x="987379" y="0"/>
-                </a:lnTo>
-                <a:lnTo>
-                  <a:pt x="1827638" y="840260"/>
-                </a:lnTo>
-                <a:lnTo>
-                  <a:pt x="1827638" y="1376989"/>
-                </a:lnTo>
-                <a:lnTo>
-                  <a:pt x="0" y="1376989"/>
-                </a:lnTo>
-                <a:close/>
-              </a:path>
-            </a:pathLst>
-          </a:custGeom>
-          <a:solidFill>
-            <a:schemeClr val="accent1">
-              <a:alpha val="30000"/>
-            </a:schemeClr>
-          </a:solidFill>
-          <a:ln>
-            <a:noFill/>
-          </a:ln>
         </p:spPr>
-        <p:style>
-          <a:lnRef idx="2">
-            <a:schemeClr val="accent1">
-              <a:shade val="50000"/>
-            </a:schemeClr>
-          </a:lnRef>
-          <a:fillRef idx="1">
-            <a:schemeClr val="accent1"/>
-          </a:fillRef>
-          <a:effectRef idx="0">
-            <a:schemeClr val="accent1"/>
-          </a:effectRef>
-          <a:fontRef idx="minor">
-            <a:schemeClr val="lt1"/>
-          </a:fontRef>
-        </p:style>
-        <p:txBody>
-          <a:bodyPr rtlCol="0" anchor="ctr"/>
-          <a:lstStyle/>
-          <a:p>
-            <a:pPr algn="ctr"/>
-            <a:endParaRPr lang="en-US" dirty="0"/>
-          </a:p>
-        </p:txBody>
-      </p:sp>
-      <p:sp>
-        <p:nvSpPr>
-          <p:cNvPr id="1035" name="Rectangle 1034">
-            <a:extLst>
-              <a:ext uri="{FF2B5EF4-FFF2-40B4-BE49-F238E27FC236}">
-                <a16:creationId xmlns:a16="http://schemas.microsoft.com/office/drawing/2014/main" id="{29FDB030-9B49-4CED-8CCD-4D99382388AC}"/>
-              </a:ext>
-              <a:ext uri="{C183D7F6-B498-43B3-948B-1728B52AA6E4}">
-                <adec:decorative xmlns:adec="http://schemas.microsoft.com/office/drawing/2017/decorative" val="1"/>
-              </a:ext>
-            </a:extLst>
-          </p:cNvPr>
-          <p:cNvSpPr>
-            <a:spLocks noGrp="1" noRot="1" noChangeAspect="1" noMove="1" noResize="1" noEditPoints="1" noAdjustHandles="1" noChangeArrowheads="1" noChangeShapeType="1" noTextEdit="1"/>
-          </p:cNvSpPr>
-          <p:nvPr>
-            <p:extLst>
-              <p:ext uri="{386F3935-93C4-4BCD-93E2-E3B085C9AB24}">
-                <p16:designElem xmlns:p16="http://schemas.microsoft.com/office/powerpoint/2015/main" val="1"/>
-              </p:ext>
-            </p:extLst>
-          </p:nvPr>
-        </p:nvSpPr>
-        <p:spPr>
-          <a:xfrm rot="18900000" flipH="1">
-            <a:off x="891641" y="422146"/>
-            <a:ext cx="645368" cy="645368"/>
-          </a:xfrm>
-          <a:prstGeom prst="rect">
-            <a:avLst/>
-          </a:prstGeom>
-          <a:solidFill>
-            <a:schemeClr val="accent1">
-              <a:alpha val="30000"/>
-            </a:schemeClr>
-          </a:solidFill>
-          <a:ln>
-            <a:noFill/>
-          </a:ln>
-        </p:spPr>
-        <p:style>
-          <a:lnRef idx="2">
-            <a:schemeClr val="accent1">
-              <a:shade val="50000"/>
-            </a:schemeClr>
-          </a:lnRef>
-          <a:fillRef idx="1">
-            <a:schemeClr val="accent1"/>
-          </a:fillRef>
-          <a:effectRef idx="0">
-            <a:schemeClr val="accent1"/>
-          </a:effectRef>
-          <a:fontRef idx="minor">
-            <a:schemeClr val="lt1"/>
-          </a:fontRef>
-        </p:style>
-        <p:txBody>
-          <a:bodyPr rtlCol="0" anchor="ctr"/>
-          <a:lstStyle/>
-          <a:p>
-            <a:pPr algn="ctr"/>
-            <a:endParaRPr lang="en-US"/>
-          </a:p>
-        </p:txBody>
-      </p:sp>
-      <p:sp>
-        <p:nvSpPr>
-          <p:cNvPr id="1037" name="Rectangle 1036">
-            <a:extLst>
-              <a:ext uri="{FF2B5EF4-FFF2-40B4-BE49-F238E27FC236}">
-                <a16:creationId xmlns:a16="http://schemas.microsoft.com/office/drawing/2014/main" id="{3783CA14-24A1-485C-8B30-D6A5D87987AD}"/>
-              </a:ext>
-              <a:ext uri="{C183D7F6-B498-43B3-948B-1728B52AA6E4}">
-                <adec:decorative xmlns:adec="http://schemas.microsoft.com/office/drawing/2017/decorative" val="1"/>
-              </a:ext>
-            </a:extLst>
-          </p:cNvPr>
-          <p:cNvSpPr>
-            <a:spLocks noGrp="1" noRot="1" noChangeAspect="1" noMove="1" noResize="1" noEditPoints="1" noAdjustHandles="1" noChangeArrowheads="1" noChangeShapeType="1" noTextEdit="1"/>
-          </p:cNvSpPr>
-          <p:nvPr>
-            <p:extLst>
-              <p:ext uri="{386F3935-93C4-4BCD-93E2-E3B085C9AB24}">
-                <p16:designElem xmlns:p16="http://schemas.microsoft.com/office/powerpoint/2015/main" val="1"/>
-              </p:ext>
-            </p:extLst>
-          </p:nvPr>
-        </p:nvSpPr>
-        <p:spPr>
-          <a:xfrm rot="18900000" flipH="1">
-            <a:off x="10043482" y="655140"/>
-            <a:ext cx="687472" cy="687472"/>
-          </a:xfrm>
-          <a:prstGeom prst="rect">
-            <a:avLst/>
-          </a:prstGeom>
-          <a:solidFill>
-            <a:schemeClr val="accent4">
-              <a:alpha val="30000"/>
-            </a:schemeClr>
-          </a:solidFill>
-          <a:ln>
-            <a:noFill/>
-          </a:ln>
-        </p:spPr>
-        <p:style>
-          <a:lnRef idx="2">
-            <a:schemeClr val="accent1">
-              <a:shade val="50000"/>
-            </a:schemeClr>
-          </a:lnRef>
-          <a:fillRef idx="1">
-            <a:schemeClr val="accent1"/>
-          </a:fillRef>
-          <a:effectRef idx="0">
-            <a:schemeClr val="accent1"/>
-          </a:effectRef>
-          <a:fontRef idx="minor">
-            <a:schemeClr val="lt1"/>
-          </a:fontRef>
-        </p:style>
-        <p:txBody>
-          <a:bodyPr rtlCol="0" anchor="ctr"/>
-          <a:lstStyle/>
-          <a:p>
-            <a:pPr algn="ctr"/>
-            <a:endParaRPr lang="en-US"/>
-          </a:p>
-        </p:txBody>
-      </p:sp>
-      <p:sp>
-        <p:nvSpPr>
-          <p:cNvPr id="1039" name="Freeform: Shape 1038">
-            <a:extLst>
-              <a:ext uri="{FF2B5EF4-FFF2-40B4-BE49-F238E27FC236}">
-                <a16:creationId xmlns:a16="http://schemas.microsoft.com/office/drawing/2014/main" id="{9A97C86A-04D6-40F7-AE84-31AB43E6A846}"/>
-              </a:ext>
-              <a:ext uri="{C183D7F6-B498-43B3-948B-1728B52AA6E4}">
-                <adec:decorative xmlns:adec="http://schemas.microsoft.com/office/drawing/2017/decorative" val="1"/>
-              </a:ext>
-            </a:extLst>
-          </p:cNvPr>
-          <p:cNvSpPr>
-            <a:spLocks noGrp="1" noRot="1" noChangeAspect="1" noMove="1" noResize="1" noEditPoints="1" noAdjustHandles="1" noChangeArrowheads="1" noChangeShapeType="1" noTextEdit="1"/>
-          </p:cNvSpPr>
-          <p:nvPr>
-            <p:extLst>
-              <p:ext uri="{386F3935-93C4-4BCD-93E2-E3B085C9AB24}">
-                <p16:designElem xmlns:p16="http://schemas.microsoft.com/office/powerpoint/2015/main" val="1"/>
-              </p:ext>
-            </p:extLst>
-          </p:nvPr>
-        </p:nvSpPr>
-        <p:spPr>
-          <a:xfrm rot="10800000" flipH="1">
-            <a:off x="9356643" y="0"/>
-            <a:ext cx="2835357" cy="1480837"/>
-          </a:xfrm>
-          <a:custGeom>
-            <a:avLst/>
-            <a:gdLst>
-              <a:gd name="connsiteX0" fmla="*/ 2835357 w 2835357"/>
-              <a:gd name="connsiteY0" fmla="*/ 1480837 h 1480837"/>
-              <a:gd name="connsiteX1" fmla="*/ 0 w 2835357"/>
-              <a:gd name="connsiteY1" fmla="*/ 1480837 h 1480837"/>
-              <a:gd name="connsiteX2" fmla="*/ 1552727 w 2835357"/>
-              <a:gd name="connsiteY2" fmla="*/ 0 h 1480837"/>
-              <a:gd name="connsiteX3" fmla="*/ 2835357 w 2835357"/>
-              <a:gd name="connsiteY3" fmla="*/ 1223245 h 1480837"/>
-            </a:gdLst>
-            <a:ahLst/>
-            <a:cxnLst>
-              <a:cxn ang="0">
-                <a:pos x="connsiteX0" y="connsiteY0"/>
-              </a:cxn>
-              <a:cxn ang="0">
-                <a:pos x="connsiteX1" y="connsiteY1"/>
-              </a:cxn>
-              <a:cxn ang="0">
-                <a:pos x="connsiteX2" y="connsiteY2"/>
-              </a:cxn>
-              <a:cxn ang="0">
-                <a:pos x="connsiteX3" y="connsiteY3"/>
-              </a:cxn>
-            </a:cxnLst>
-            <a:rect l="l" t="t" r="r" b="b"/>
-            <a:pathLst>
-              <a:path w="2835357" h="1480837">
-                <a:moveTo>
-                  <a:pt x="2835357" y="1480837"/>
-                </a:moveTo>
-                <a:lnTo>
-                  <a:pt x="0" y="1480837"/>
-                </a:lnTo>
-                <a:lnTo>
-                  <a:pt x="1552727" y="0"/>
-                </a:lnTo>
-                <a:lnTo>
-                  <a:pt x="2835357" y="1223245"/>
-                </a:lnTo>
-                <a:close/>
-              </a:path>
-            </a:pathLst>
-          </a:custGeom>
-          <a:solidFill>
-            <a:schemeClr val="accent4">
-              <a:alpha val="30000"/>
-            </a:schemeClr>
-          </a:solidFill>
-          <a:ln>
-            <a:noFill/>
-          </a:ln>
-        </p:spPr>
-        <p:style>
-          <a:lnRef idx="2">
-            <a:schemeClr val="accent1">
-              <a:shade val="50000"/>
-            </a:schemeClr>
-          </a:lnRef>
-          <a:fillRef idx="1">
-            <a:schemeClr val="accent1"/>
-          </a:fillRef>
-          <a:effectRef idx="0">
-            <a:schemeClr val="accent1"/>
-          </a:effectRef>
-          <a:fontRef idx="minor">
-            <a:schemeClr val="lt1"/>
-          </a:fontRef>
-        </p:style>
-        <p:txBody>
-          <a:bodyPr wrap="square" rtlCol="0" anchor="ctr">
-            <a:noAutofit/>
+        <p:txBody>
+          <a:bodyPr vert="horz" lIns="91440" tIns="45720" rIns="91440" bIns="45720" rtlCol="0" anchor="ctr">
+            <a:normAutofit/>
           </a:bodyPr>
           <a:lstStyle/>
           <a:p>
-            <a:pPr algn="ctr"/>
-            <a:endParaRPr lang="en-US" dirty="0"/>
-          </a:p>
-        </p:txBody>
-      </p:sp>
-      <p:sp>
-        <p:nvSpPr>
-          <p:cNvPr id="1041" name="Isosceles Triangle 1040">
-            <a:extLst>
-              <a:ext uri="{FF2B5EF4-FFF2-40B4-BE49-F238E27FC236}">
-                <a16:creationId xmlns:a16="http://schemas.microsoft.com/office/drawing/2014/main" id="{FF9F2414-84E8-453E-B1F3-389FDE8192D9}"/>
-              </a:ext>
-              <a:ext uri="{C183D7F6-B498-43B3-948B-1728B52AA6E4}">
-                <adec:decorative xmlns:adec="http://schemas.microsoft.com/office/drawing/2017/decorative" val="1"/>
-              </a:ext>
-            </a:extLst>
-          </p:cNvPr>
-          <p:cNvSpPr>
-            <a:spLocks noGrp="1" noRot="1" noChangeAspect="1" noMove="1" noResize="1" noEditPoints="1" noAdjustHandles="1" noChangeArrowheads="1" noChangeShapeType="1" noTextEdit="1"/>
-          </p:cNvSpPr>
-          <p:nvPr>
-            <p:extLst>
-              <p:ext uri="{386F3935-93C4-4BCD-93E2-E3B085C9AB24}">
-                <p16:designElem xmlns:p16="http://schemas.microsoft.com/office/powerpoint/2015/main" val="1"/>
-              </p:ext>
-            </p:extLst>
-          </p:nvPr>
-        </p:nvSpPr>
-        <p:spPr>
-          <a:xfrm flipH="1">
-            <a:off x="7976344" y="6115501"/>
-            <a:ext cx="1494513" cy="742499"/>
-          </a:xfrm>
-          <a:prstGeom prst="triangle">
-            <a:avLst/>
-          </a:prstGeom>
-          <a:solidFill>
-            <a:schemeClr val="accent1">
-              <a:alpha val="30000"/>
-            </a:schemeClr>
-          </a:solidFill>
-          <a:ln>
-            <a:noFill/>
-          </a:ln>
-        </p:spPr>
-        <p:style>
-          <a:lnRef idx="2">
-            <a:schemeClr val="accent1">
-              <a:shade val="50000"/>
-            </a:schemeClr>
-          </a:lnRef>
-          <a:fillRef idx="1">
-            <a:schemeClr val="accent1"/>
-          </a:fillRef>
-          <a:effectRef idx="0">
-            <a:schemeClr val="accent1"/>
-          </a:effectRef>
-          <a:fontRef idx="minor">
-            <a:schemeClr val="lt1"/>
-          </a:fontRef>
-        </p:style>
-        <p:txBody>
-          <a:bodyPr rtlCol="0" anchor="ctr"/>
-          <a:lstStyle/>
-          <a:p>
-            <a:pPr algn="ctr"/>
-            <a:endParaRPr lang="en-US"/>
+            <a:r>
+              <a:rPr lang="en-US" sz="5200" kern="1200">
+                <a:solidFill>
+                  <a:schemeClr val="tx1"/>
+                </a:solidFill>
+                <a:latin typeface="+mj-lt"/>
+                <a:ea typeface="+mj-ea"/>
+                <a:cs typeface="+mj-cs"/>
+              </a:rPr>
+              <a:t>Egyed-kapcsolat diagram</a:t>
+            </a:r>
           </a:p>
         </p:txBody>
       </p:sp>
       <p:pic>
         <p:nvPicPr>
-          <p:cNvPr id="1026" name="Picture 2">
-            <a:extLst>
-              <a:ext uri="{FF2B5EF4-FFF2-40B4-BE49-F238E27FC236}">
-                <a16:creationId xmlns:a16="http://schemas.microsoft.com/office/drawing/2014/main" id="{7857DA86-B2F0-30A2-3FB1-81FBC3C414E0}"/>
+          <p:cNvPr id="3076" name="Picture 4">
+            <a:extLst>
+              <a:ext uri="{FF2B5EF4-FFF2-40B4-BE49-F238E27FC236}">
+                <a16:creationId xmlns:a16="http://schemas.microsoft.com/office/drawing/2014/main" id="{1A0D0BFC-ECDB-2C40-E3BC-F988836460A4}"/>
               </a:ext>
             </a:extLst>
           </p:cNvPr>
@@ -5312,16 +5342,13 @@
         </p:blipFill>
         <p:spPr bwMode="auto">
           <a:xfrm>
-            <a:off x="1953945" y="643467"/>
-            <a:ext cx="8284110" cy="5571065"/>
+            <a:off x="529399" y="2365285"/>
+            <a:ext cx="5131930" cy="3938756"/>
           </a:xfrm>
           <a:prstGeom prst="rect">
             <a:avLst/>
           </a:prstGeom>
           <a:noFill/>
-          <a:ln>
-            <a:noFill/>
-          </a:ln>
           <a:extLst>
             <a:ext uri="{909E8E84-426E-40DD-AFC4-6F175D3DCCD1}">
               <a14:hiddenFill xmlns:a14="http://schemas.microsoft.com/office/drawing/2010/main">
@@ -5333,105 +5360,52 @@
           </a:extLst>
         </p:spPr>
       </p:pic>
-      <p:sp>
-        <p:nvSpPr>
-          <p:cNvPr id="1043" name="Isosceles Triangle 1042">
-            <a:extLst>
-              <a:ext uri="{FF2B5EF4-FFF2-40B4-BE49-F238E27FC236}">
-                <a16:creationId xmlns:a16="http://schemas.microsoft.com/office/drawing/2014/main" id="{3ECA69A1-7536-43AC-85EF-C7106179F5ED}"/>
-              </a:ext>
-              <a:ext uri="{C183D7F6-B498-43B3-948B-1728B52AA6E4}">
-                <adec:decorative xmlns:adec="http://schemas.microsoft.com/office/drawing/2017/decorative" val="1"/>
-              </a:ext>
-            </a:extLst>
-          </p:cNvPr>
-          <p:cNvSpPr>
-            <a:spLocks noGrp="1" noRot="1" noChangeAspect="1" noMove="1" noResize="1" noEditPoints="1" noAdjustHandles="1" noChangeArrowheads="1" noChangeShapeType="1" noTextEdit="1"/>
-          </p:cNvSpPr>
-          <p:nvPr>
-            <p:extLst>
-              <p:ext uri="{386F3935-93C4-4BCD-93E2-E3B085C9AB24}">
-                <p16:designElem xmlns:p16="http://schemas.microsoft.com/office/powerpoint/2015/main" val="1"/>
-              </p:ext>
-            </p:extLst>
-          </p:nvPr>
-        </p:nvSpPr>
-        <p:spPr>
-          <a:xfrm flipH="1">
-            <a:off x="7604080" y="6453143"/>
-            <a:ext cx="814903" cy="404857"/>
+      <p:pic>
+        <p:nvPicPr>
+          <p:cNvPr id="3074" name="Picture 2">
+            <a:extLst>
+              <a:ext uri="{FF2B5EF4-FFF2-40B4-BE49-F238E27FC236}">
+                <a16:creationId xmlns:a16="http://schemas.microsoft.com/office/drawing/2014/main" id="{2CC614E2-66A7-EBF0-37E1-590C522FD013}"/>
+              </a:ext>
+            </a:extLst>
+          </p:cNvPr>
+          <p:cNvPicPr>
+            <a:picLocks noChangeAspect="1" noChangeArrowheads="1"/>
+          </p:cNvPicPr>
+          <p:nvPr/>
+        </p:nvPicPr>
+        <p:blipFill>
+          <a:blip r:embed="rId3">
+            <a:extLst>
+              <a:ext uri="{28A0092B-C50C-407E-A947-70E740481C1C}">
+                <a14:useLocalDpi xmlns:a14="http://schemas.microsoft.com/office/drawing/2010/main" val="0"/>
+              </a:ext>
+            </a:extLst>
+          </a:blip>
+          <a:stretch>
+            <a:fillRect/>
+          </a:stretch>
+        </p:blipFill>
+        <p:spPr bwMode="auto">
+          <a:xfrm>
+            <a:off x="6182505" y="2374910"/>
+            <a:ext cx="5828261" cy="3919505"/>
           </a:xfrm>
-          <a:prstGeom prst="triangle">
+          <a:prstGeom prst="rect">
             <a:avLst/>
           </a:prstGeom>
-          <a:solidFill>
-            <a:schemeClr val="accent1">
-              <a:alpha val="30000"/>
-            </a:schemeClr>
-          </a:solidFill>
-          <a:ln>
-            <a:noFill/>
-          </a:ln>
+          <a:noFill/>
+          <a:extLst>
+            <a:ext uri="{909E8E84-426E-40DD-AFC4-6F175D3DCCD1}">
+              <a14:hiddenFill xmlns:a14="http://schemas.microsoft.com/office/drawing/2010/main">
+                <a:solidFill>
+                  <a:srgbClr val="FFFFFF"/>
+                </a:solidFill>
+              </a14:hiddenFill>
+            </a:ext>
+          </a:extLst>
         </p:spPr>
-        <p:style>
-          <a:lnRef idx="2">
-            <a:schemeClr val="accent1">
-              <a:shade val="50000"/>
-            </a:schemeClr>
-          </a:lnRef>
-          <a:fillRef idx="1">
-            <a:schemeClr val="accent1"/>
-          </a:fillRef>
-          <a:effectRef idx="0">
-            <a:schemeClr val="accent1"/>
-          </a:effectRef>
-          <a:fontRef idx="minor">
-            <a:schemeClr val="lt1"/>
-          </a:fontRef>
-        </p:style>
-        <p:txBody>
-          <a:bodyPr rtlCol="0" anchor="ctr"/>
-          <a:lstStyle/>
-          <a:p>
-            <a:pPr algn="ctr"/>
-            <a:endParaRPr lang="en-US"/>
-          </a:p>
-        </p:txBody>
-      </p:sp>
-      <p:sp>
-        <p:nvSpPr>
-          <p:cNvPr id="4" name="Cím 1">
-            <a:extLst>
-              <a:ext uri="{FF2B5EF4-FFF2-40B4-BE49-F238E27FC236}">
-                <a16:creationId xmlns:a16="http://schemas.microsoft.com/office/drawing/2014/main" id="{CFA47999-0629-62EA-718B-0CB409C00953}"/>
-              </a:ext>
-            </a:extLst>
-          </p:cNvPr>
-          <p:cNvSpPr>
-            <a:spLocks noGrp="1"/>
-          </p:cNvSpPr>
-          <p:nvPr>
-            <p:ph type="title"/>
-          </p:nvPr>
-        </p:nvSpPr>
-        <p:spPr>
-          <a:xfrm>
-            <a:off x="123336" y="4988961"/>
-            <a:ext cx="5131865" cy="1325563"/>
-          </a:xfrm>
-        </p:spPr>
-        <p:txBody>
-          <a:bodyPr/>
-          <a:lstStyle/>
-          <a:p>
-            <a:pPr algn="ctr"/>
-            <a:r>
-              <a:rPr lang="hu-HU" dirty="0"/>
-              <a:t>Egyed-kapcsolat diagram</a:t>
-            </a:r>
-          </a:p>
-        </p:txBody>
-      </p:sp>
+      </p:pic>
     </p:spTree>
     <p:extLst>
       <p:ext uri="{BB962C8B-B14F-4D97-AF65-F5344CB8AC3E}">
@@ -6915,6 +6889,14 @@
 <file path=ppt/slides/slide9.xml><?xml version="1.0" encoding="utf-8"?>
 <p:sld xmlns:a="http://schemas.openxmlformats.org/drawingml/2006/main" xmlns:r="http://schemas.openxmlformats.org/officeDocument/2006/relationships" xmlns:p="http://schemas.openxmlformats.org/presentationml/2006/main">
   <p:cSld>
+    <p:bg>
+      <p:bgPr>
+        <a:solidFill>
+          <a:schemeClr val="bg1"/>
+        </a:solidFill>
+        <a:effectLst/>
+      </p:bgPr>
+    </p:bg>
     <p:spTree>
       <p:nvGrpSpPr>
         <p:cNvPr id="1" name=""/>
@@ -6929,26 +6911,86 @@
           <a:chExt cx="0" cy="0"/>
         </a:xfrm>
       </p:grpSpPr>
-      <p:sp>
-        <p:nvSpPr>
-          <p:cNvPr id="2" name="Cím 1">
-            <a:extLst>
-              <a:ext uri="{FF2B5EF4-FFF2-40B4-BE49-F238E27FC236}">
-                <a16:creationId xmlns:a16="http://schemas.microsoft.com/office/drawing/2014/main" id="{F81F87E8-FF4E-55F2-7160-9B2B77594B27}"/>
-              </a:ext>
-            </a:extLst>
-          </p:cNvPr>
-          <p:cNvSpPr>
-            <a:spLocks noGrp="1"/>
-          </p:cNvSpPr>
-          <p:nvPr>
-            <p:ph type="title"/>
+      <p:sp useBgFill="1">
+        <p:nvSpPr>
+          <p:cNvPr id="1039" name="Rectangle 1030">
+            <a:extLst>
+              <a:ext uri="{FF2B5EF4-FFF2-40B4-BE49-F238E27FC236}">
+                <a16:creationId xmlns:a16="http://schemas.microsoft.com/office/drawing/2014/main" id="{5E6B3632-31A7-4B9A-9B3B-DAADD1D372BA}"/>
+              </a:ext>
+              <a:ext uri="{C183D7F6-B498-43B3-948B-1728B52AA6E4}">
+                <adec:decorative xmlns:adec="http://schemas.microsoft.com/office/drawing/2017/decorative" val="1"/>
+              </a:ext>
+            </a:extLst>
+          </p:cNvPr>
+          <p:cNvSpPr>
+            <a:spLocks noGrp="1" noRot="1" noChangeAspect="1" noMove="1" noResize="1" noEditPoints="1" noAdjustHandles="1" noChangeArrowheads="1" noChangeShapeType="1" noTextEdit="1"/>
+          </p:cNvSpPr>
+          <p:nvPr>
+            <p:extLst>
+              <p:ext uri="{386F3935-93C4-4BCD-93E2-E3B085C9AB24}">
+                <p16:designElem xmlns:p16="http://schemas.microsoft.com/office/powerpoint/2015/main" val="1"/>
+              </p:ext>
+            </p:extLst>
           </p:nvPr>
         </p:nvSpPr>
         <p:spPr>
           <a:xfrm>
-            <a:off x="1378100" y="887096"/>
-            <a:ext cx="10115908" cy="2669920"/>
+            <a:off x="-1" y="0"/>
+            <a:ext cx="12188952" cy="6858000"/>
+          </a:xfrm>
+          <a:prstGeom prst="rect">
+            <a:avLst/>
+          </a:prstGeom>
+          <a:ln>
+            <a:noFill/>
+          </a:ln>
+        </p:spPr>
+        <p:style>
+          <a:lnRef idx="2">
+            <a:schemeClr val="accent1">
+              <a:shade val="50000"/>
+            </a:schemeClr>
+          </a:lnRef>
+          <a:fillRef idx="1">
+            <a:schemeClr val="accent1"/>
+          </a:fillRef>
+          <a:effectRef idx="0">
+            <a:schemeClr val="accent1"/>
+          </a:effectRef>
+          <a:fontRef idx="minor">
+            <a:schemeClr val="lt1"/>
+          </a:fontRef>
+        </p:style>
+        <p:txBody>
+          <a:bodyPr rtlCol="0" anchor="ctr"/>
+          <a:lstStyle/>
+          <a:p>
+            <a:pPr algn="ctr"/>
+            <a:endParaRPr lang="en-US" dirty="0"/>
+          </a:p>
+        </p:txBody>
+      </p:sp>
+      <p:sp>
+        <p:nvSpPr>
+          <p:cNvPr id="2" name="Cím 1">
+            <a:extLst>
+              <a:ext uri="{FF2B5EF4-FFF2-40B4-BE49-F238E27FC236}">
+                <a16:creationId xmlns:a16="http://schemas.microsoft.com/office/drawing/2014/main" id="{6383F3D5-B111-65D4-0606-1DBE3280E306}"/>
+              </a:ext>
+            </a:extLst>
+          </p:cNvPr>
+          <p:cNvSpPr>
+            <a:spLocks noGrp="1"/>
+          </p:cNvSpPr>
+          <p:nvPr>
+            <p:ph type="title"/>
+          </p:nvPr>
+        </p:nvSpPr>
+        <p:spPr>
+          <a:xfrm>
+            <a:off x="8379725" y="640081"/>
+            <a:ext cx="3206143" cy="5489009"/>
           </a:xfrm>
         </p:spPr>
         <p:txBody>
@@ -6958,36 +7000,69 @@
           <a:lstStyle/>
           <a:p>
             <a:r>
-              <a:rPr lang="en-US" sz="4400" dirty="0" err="1">
-                <a:latin typeface="Book Antiqua" panose="02040602050305030304" pitchFamily="18" charset="0"/>
+              <a:rPr lang="en-US" sz="5200" kern="1200" dirty="0">
+                <a:solidFill>
+                  <a:schemeClr val="tx1"/>
+                </a:solidFill>
+                <a:latin typeface="+mj-lt"/>
+                <a:ea typeface="+mj-ea"/>
+                <a:cs typeface="+mj-cs"/>
               </a:rPr>
-              <a:t>Köszönjük</a:t>
-            </a:r>
-            <a:r>
-              <a:rPr lang="en-US" sz="4400" dirty="0">
-                <a:latin typeface="Book Antiqua" panose="02040602050305030304" pitchFamily="18" charset="0"/>
-              </a:rPr>
-              <a:t> a </a:t>
-            </a:r>
-            <a:r>
-              <a:rPr lang="en-US" sz="4400" dirty="0" err="1">
-                <a:latin typeface="Book Antiqua" panose="02040602050305030304" pitchFamily="18" charset="0"/>
-              </a:rPr>
-              <a:t>figyelmet</a:t>
-            </a:r>
-            <a:r>
-              <a:rPr lang="en-US" sz="4400" dirty="0">
-                <a:latin typeface="Book Antiqua" panose="02040602050305030304" pitchFamily="18" charset="0"/>
-              </a:rPr>
-              <a:t>!</a:t>
-            </a:r>
-          </a:p>
-        </p:txBody>
-      </p:sp>
+              <a:t>Class diagram</a:t>
+            </a:r>
+          </a:p>
+        </p:txBody>
+      </p:sp>
+      <p:pic>
+        <p:nvPicPr>
+          <p:cNvPr id="1026" name="Picture 2">
+            <a:extLst>
+              <a:ext uri="{FF2B5EF4-FFF2-40B4-BE49-F238E27FC236}">
+                <a16:creationId xmlns:a16="http://schemas.microsoft.com/office/drawing/2014/main" id="{B2EE651F-1023-2CFB-F01A-BA33C50877FA}"/>
+              </a:ext>
+            </a:extLst>
+          </p:cNvPr>
+          <p:cNvPicPr>
+            <a:picLocks noChangeAspect="1" noChangeArrowheads="1"/>
+          </p:cNvPicPr>
+          <p:nvPr/>
+        </p:nvPicPr>
+        <p:blipFill>
+          <a:blip r:embed="rId2">
+            <a:extLst>
+              <a:ext uri="{28A0092B-C50C-407E-A947-70E740481C1C}">
+                <a14:useLocalDpi xmlns:a14="http://schemas.microsoft.com/office/drawing/2010/main" val="0"/>
+              </a:ext>
+            </a:extLst>
+          </a:blip>
+          <a:stretch>
+            <a:fillRect/>
+          </a:stretch>
+        </p:blipFill>
+        <p:spPr bwMode="auto">
+          <a:xfrm>
+            <a:off x="425786" y="0"/>
+            <a:ext cx="6240780" cy="6858000"/>
+          </a:xfrm>
+          <a:prstGeom prst="rect">
+            <a:avLst/>
+          </a:prstGeom>
+          <a:noFill/>
+          <a:extLst>
+            <a:ext uri="{909E8E84-426E-40DD-AFC4-6F175D3DCCD1}">
+              <a14:hiddenFill xmlns:a14="http://schemas.microsoft.com/office/drawing/2010/main">
+                <a:solidFill>
+                  <a:srgbClr val="FFFFFF"/>
+                </a:solidFill>
+              </a14:hiddenFill>
+            </a:ext>
+          </a:extLst>
+        </p:spPr>
+      </p:pic>
     </p:spTree>
     <p:extLst>
       <p:ext uri="{BB962C8B-B14F-4D97-AF65-F5344CB8AC3E}">
-        <p14:creationId xmlns:p14="http://schemas.microsoft.com/office/powerpoint/2010/main" val="1894827936"/>
+        <p14:creationId xmlns:p14="http://schemas.microsoft.com/office/powerpoint/2010/main" val="1919064877"/>
       </p:ext>
     </p:extLst>
   </p:cSld>
